--- a/doc/Design Note - Web Main Framework.pptx
+++ b/doc/Design Note - Web Main Framework.pptx
@@ -3016,6 +3016,77 @@
           </a:p>
         </p:txBody>
       </p:sp>
+      <p:sp>
+        <p:nvSpPr>
+          <p:cNvPr id="4" name="文本框 3"/>
+          <p:cNvSpPr txBox="1"/>
+          <p:nvPr/>
+        </p:nvSpPr>
+        <p:spPr>
+          <a:xfrm>
+            <a:off x="4606413" y="5410354"/>
+            <a:ext cx="2979174" cy="830997"/>
+          </a:xfrm>
+          <a:prstGeom prst="rect">
+            <a:avLst/>
+          </a:prstGeom>
+          <a:noFill/>
+        </p:spPr>
+        <p:txBody>
+          <a:bodyPr wrap="square" rtlCol="0">
+            <a:spAutoFit/>
+          </a:bodyPr>
+          <a:lstStyle/>
+          <a:p>
+            <a:pPr algn="ctr"/>
+            <a:r>
+              <a:rPr lang="en-US" altLang="zh-CN" sz="4800" dirty="0" smtClean="0">
+                <a:solidFill>
+                  <a:srgbClr val="0070C0"/>
+                </a:solidFill>
+                <a:latin typeface="Forte" panose="03060902040502070203" pitchFamily="66" charset="0"/>
+              </a:rPr>
+              <a:t>Gather</a:t>
+            </a:r>
+            <a:r>
+              <a:rPr lang="en-US" altLang="zh-CN" sz="4800" dirty="0" smtClean="0">
+                <a:solidFill>
+                  <a:srgbClr val="FF0000"/>
+                </a:solidFill>
+                <a:latin typeface="Forte" panose="03060902040502070203" pitchFamily="66" charset="0"/>
+              </a:rPr>
+              <a:t>H</a:t>
+            </a:r>
+            <a:r>
+              <a:rPr lang="en-US" altLang="zh-CN" sz="4800" dirty="0" smtClean="0">
+                <a:solidFill>
+                  <a:schemeClr val="accent4">
+                    <a:lumMod val="60000"/>
+                    <a:lumOff val="40000"/>
+                  </a:schemeClr>
+                </a:solidFill>
+                <a:latin typeface="Forte" panose="03060902040502070203" pitchFamily="66" charset="0"/>
+              </a:rPr>
+              <a:t>u</a:t>
+            </a:r>
+            <a:r>
+              <a:rPr lang="en-US" altLang="zh-CN" sz="4800" dirty="0" smtClean="0">
+                <a:solidFill>
+                  <a:srgbClr val="00B050"/>
+                </a:solidFill>
+                <a:latin typeface="Forte" panose="03060902040502070203" pitchFamily="66" charset="0"/>
+              </a:rPr>
+              <a:t>b</a:t>
+            </a:r>
+            <a:endParaRPr lang="zh-TW" altLang="en-US" dirty="0">
+              <a:solidFill>
+                <a:srgbClr val="00B050"/>
+              </a:solidFill>
+              <a:latin typeface="Forte" panose="03060902040502070203" pitchFamily="66" charset="0"/>
+            </a:endParaRPr>
+          </a:p>
+        </p:txBody>
+      </p:sp>
     </p:spTree>
     <p:extLst>
       <p:ext uri="{BB962C8B-B14F-4D97-AF65-F5344CB8AC3E}">
